--- a/img/bo7.pptx
+++ b/img/bo7.pptx
@@ -5,7 +5,7 @@
     <p:sldMasterId id="2147483686" r:id="rId1"/>
   </p:sldMasterIdLst>
   <p:notesMasterIdLst>
-    <p:notesMasterId r:id="rId13"/>
+    <p:notesMasterId r:id="rId12"/>
   </p:notesMasterIdLst>
   <p:sldIdLst>
     <p:sldId id="256" r:id="rId2"/>
@@ -17,8 +17,7 @@
     <p:sldId id="263" r:id="rId8"/>
     <p:sldId id="264" r:id="rId9"/>
     <p:sldId id="265" r:id="rId10"/>
-    <p:sldId id="266" r:id="rId11"/>
-    <p:sldId id="267" r:id="rId12"/>
+    <p:sldId id="267" r:id="rId11"/>
   </p:sldIdLst>
   <p:sldSz cx="12192000" cy="6858000"/>
   <p:notesSz cx="6858000" cy="9144000"/>
@@ -117,6 +116,11 @@
       </a:defRPr>
     </a:lvl9pPr>
   </p:defaultTextStyle>
+  <p:extLst>
+    <p:ext uri="{EFAFB233-063F-42B5-8137-9DF3F51BA10A}">
+      <p15:sldGuideLst xmlns:p15="http://schemas.microsoft.com/office/powerpoint/2012/main"/>
+    </p:ext>
+  </p:extLst>
 </p:presentation>
 </file>
 
@@ -791,7 +795,7 @@
           <a:p>
             <a:fld id="{ED291B17-9318-49DB-B28B-6E5994AE9581}" type="datetime1">
               <a:rPr lang="en-US" smtClean="0"/>
-              <a:t>11/12/19</a:t>
+              <a:t>11/13/19</a:t>
             </a:fld>
             <a:endParaRPr lang="en-US" dirty="0"/>
           </a:p>
@@ -994,7 +998,7 @@
           <a:p>
             <a:fld id="{2CED4963-E985-44C4-B8C4-FDD613B7C2F8}" type="datetime1">
               <a:rPr lang="en-US" smtClean="0"/>
-              <a:t>11/12/19</a:t>
+              <a:t>11/13/19</a:t>
             </a:fld>
             <a:endParaRPr lang="en-US" dirty="0"/>
           </a:p>
@@ -1356,7 +1360,7 @@
           <a:p>
             <a:fld id="{ED291B17-9318-49DB-B28B-6E5994AE9581}" type="datetime1">
               <a:rPr lang="en-US" smtClean="0"/>
-              <a:t>11/12/19</a:t>
+              <a:t>11/13/19</a:t>
             </a:fld>
             <a:endParaRPr lang="en-US" dirty="0"/>
           </a:p>
@@ -1554,7 +1558,7 @@
           <a:p>
             <a:fld id="{78DD82B9-B8EE-4375-B6FF-88FA6ABB15D9}" type="datetime1">
               <a:rPr lang="en-US" smtClean="0"/>
-              <a:t>11/12/19</a:t>
+              <a:t>11/13/19</a:t>
             </a:fld>
             <a:endParaRPr lang="en-US" dirty="0"/>
           </a:p>
@@ -1866,7 +1870,7 @@
           <a:p>
             <a:fld id="{B2497495-0637-405E-AE64-5CC7506D51F5}" type="datetime1">
               <a:rPr lang="en-US" smtClean="0"/>
-              <a:t>11/12/19</a:t>
+              <a:t>11/13/19</a:t>
             </a:fld>
             <a:endParaRPr lang="en-US" dirty="0"/>
           </a:p>
@@ -2119,7 +2123,7 @@
           <a:p>
             <a:fld id="{7BFFD690-9426-415D-8B65-26881E07B2D4}" type="datetime1">
               <a:rPr lang="en-US" smtClean="0"/>
-              <a:t>11/12/19</a:t>
+              <a:t>11/13/19</a:t>
             </a:fld>
             <a:endParaRPr lang="en-US" dirty="0"/>
           </a:p>
@@ -2541,7 +2545,7 @@
           <a:p>
             <a:fld id="{04C4989A-474C-40DE-95B9-011C28B71673}" type="datetime1">
               <a:rPr lang="en-US" smtClean="0"/>
-              <a:t>11/12/19</a:t>
+              <a:t>11/13/19</a:t>
             </a:fld>
             <a:endParaRPr lang="en-US" dirty="0"/>
           </a:p>
@@ -2664,7 +2668,7 @@
           <a:p>
             <a:fld id="{5DB4ED54-5B5E-4A04-93D3-5772E3CE3818}" type="datetime1">
               <a:rPr lang="en-US" smtClean="0"/>
-              <a:t>11/12/19</a:t>
+              <a:t>11/13/19</a:t>
             </a:fld>
             <a:endParaRPr lang="en-US" dirty="0"/>
           </a:p>
@@ -2759,7 +2763,7 @@
           <a:p>
             <a:fld id="{4EDE50D6-574B-40AF-946F-D52A04ADE379}" type="datetime1">
               <a:rPr lang="en-US" smtClean="0"/>
-              <a:t>11/12/19</a:t>
+              <a:t>11/13/19</a:t>
             </a:fld>
             <a:endParaRPr lang="en-US" dirty="0"/>
           </a:p>
@@ -3136,7 +3140,7 @@
           <a:p>
             <a:fld id="{D82884F1-FFEA-405F-9602-3DCA865EDA4E}" type="datetime1">
               <a:rPr lang="en-US" smtClean="0"/>
-              <a:t>11/12/19</a:t>
+              <a:t>11/13/19</a:t>
             </a:fld>
             <a:endParaRPr lang="en-US" dirty="0"/>
           </a:p>
@@ -3429,7 +3433,7 @@
           <a:p>
             <a:fld id="{7E18DB4A-8810-4A10-AD5C-D5E2C667F5B3}" type="datetime1">
               <a:rPr lang="en-US" smtClean="0"/>
-              <a:t>11/12/19</a:t>
+              <a:t>11/13/19</a:t>
             </a:fld>
             <a:endParaRPr lang="en-US" dirty="0"/>
           </a:p>
@@ -3644,7 +3648,7 @@
           <a:p>
             <a:fld id="{ED291B17-9318-49DB-B28B-6E5994AE9581}" type="datetime1">
               <a:rPr lang="en-US" smtClean="0"/>
-              <a:t>11/12/19</a:t>
+              <a:t>11/13/19</a:t>
             </a:fld>
             <a:endParaRPr lang="en-US" dirty="0"/>
           </a:p>
@@ -4590,114 +4594,6 @@
 </file>
 
 <file path=ppt/slides/slide10.xml><?xml version="1.0" encoding="utf-8"?>
-<p:sld xmlns:a="http://schemas.openxmlformats.org/drawingml/2006/main" xmlns:r="http://schemas.openxmlformats.org/officeDocument/2006/relationships" xmlns:p="http://schemas.openxmlformats.org/presentationml/2006/main">
-  <p:cSld>
-    <p:spTree>
-      <p:nvGrpSpPr>
-        <p:cNvPr id="1" name=""/>
-        <p:cNvGrpSpPr/>
-        <p:nvPr/>
-      </p:nvGrpSpPr>
-      <p:grpSpPr>
-        <a:xfrm>
-          <a:off x="0" y="0"/>
-          <a:ext cx="0" cy="0"/>
-          <a:chOff x="0" y="0"/>
-          <a:chExt cx="0" cy="0"/>
-        </a:xfrm>
-      </p:grpSpPr>
-      <p:sp>
-        <p:nvSpPr>
-          <p:cNvPr id="2" name="Title 1">
-            <a:extLst>
-              <a:ext uri="{FF2B5EF4-FFF2-40B4-BE49-F238E27FC236}">
-                <a16:creationId xmlns:a16="http://schemas.microsoft.com/office/drawing/2014/main" id="{16FCA4A4-A7FB-7D42-ADD2-AD5009BA9D43}"/>
-              </a:ext>
-            </a:extLst>
-          </p:cNvPr>
-          <p:cNvSpPr>
-            <a:spLocks noGrp="1"/>
-          </p:cNvSpPr>
-          <p:nvPr>
-            <p:ph type="title"/>
-          </p:nvPr>
-        </p:nvSpPr>
-        <p:spPr/>
-        <p:txBody>
-          <a:bodyPr/>
-          <a:lstStyle/>
-          <a:p>
-            <a:r>
-              <a:rPr lang="en-US" dirty="0"/>
-              <a:t>Limitation</a:t>
-            </a:r>
-          </a:p>
-        </p:txBody>
-      </p:sp>
-      <p:sp>
-        <p:nvSpPr>
-          <p:cNvPr id="3" name="Content Placeholder 2">
-            <a:extLst>
-              <a:ext uri="{FF2B5EF4-FFF2-40B4-BE49-F238E27FC236}">
-                <a16:creationId xmlns:a16="http://schemas.microsoft.com/office/drawing/2014/main" id="{67F0FA93-9A8D-6448-8AA2-DF46DA330A16}"/>
-              </a:ext>
-            </a:extLst>
-          </p:cNvPr>
-          <p:cNvSpPr>
-            <a:spLocks noGrp="1"/>
-          </p:cNvSpPr>
-          <p:nvPr>
-            <p:ph idx="1"/>
-          </p:nvPr>
-        </p:nvSpPr>
-        <p:spPr/>
-        <p:txBody>
-          <a:bodyPr>
-            <a:normAutofit/>
-          </a:bodyPr>
-          <a:lstStyle/>
-          <a:p>
-            <a:r>
-              <a:rPr lang="en-US" sz="2200" dirty="0"/>
-              <a:t>Versioning and Upgrading – </a:t>
-            </a:r>
-            <a:r>
-              <a:rPr lang="en-US" sz="2200" dirty="0" err="1"/>
-              <a:t>RCloud</a:t>
-            </a:r>
-            <a:r>
-              <a:rPr lang="en-US" sz="2200" dirty="0"/>
-              <a:t> does not separate its development and deployment environments, and the version of shared notebook is by default.</a:t>
-            </a:r>
-          </a:p>
-          <a:p>
-            <a:r>
-              <a:rPr lang="en-US" sz="2200" dirty="0"/>
-              <a:t>Textual search is easy, Relevant search is hard - Search might come from obsolete and erroneous notebooks. In addition, important metadata is not easily searchable. Relying on users to tag notebooks is a conscious effect.</a:t>
-            </a:r>
-          </a:p>
-          <a:p>
-            <a:r>
-              <a:rPr lang="en-US" sz="2200" dirty="0"/>
-              <a:t>Collaboration is still hard sometime - Although popular, forking poses a problem when dozens of versions of a notebook proliferate. A fully general solution seems intractable. Use git’s ideal of decentralized code repo.</a:t>
-            </a:r>
-          </a:p>
-        </p:txBody>
-      </p:sp>
-    </p:spTree>
-    <p:extLst>
-      <p:ext uri="{BB962C8B-B14F-4D97-AF65-F5344CB8AC3E}">
-        <p14:creationId xmlns:p14="http://schemas.microsoft.com/office/powerpoint/2010/main" val="3348312612"/>
-      </p:ext>
-    </p:extLst>
-  </p:cSld>
-  <p:clrMapOvr>
-    <a:masterClrMapping/>
-  </p:clrMapOvr>
-</p:sld>
-</file>
-
-<file path=ppt/slides/slide11.xml><?xml version="1.0" encoding="utf-8"?>
 <p:sld xmlns:a="http://schemas.openxmlformats.org/drawingml/2006/main" xmlns:r="http://schemas.openxmlformats.org/officeDocument/2006/relationships" xmlns:p="http://schemas.openxmlformats.org/presentationml/2006/main">
   <p:cSld>
     <p:spTree>
